--- a/báo cáo/Báo-cáo-hệ-cơ-sở-tri-thức.pptx
+++ b/báo cáo/Báo-cáo-hệ-cơ-sở-tri-thức.pptx
@@ -23,7 +23,12 @@
     <p:sldId id="271" r:id="rId17"/>
     <p:sldId id="272" r:id="rId18"/>
     <p:sldId id="273" r:id="rId19"/>
-    <p:sldId id="274" r:id="rId20"/>
+    <p:sldId id="275" r:id="rId20"/>
+    <p:sldId id="277" r:id="rId21"/>
+    <p:sldId id="276" r:id="rId22"/>
+    <p:sldId id="278" r:id="rId23"/>
+    <p:sldId id="279" r:id="rId24"/>
+    <p:sldId id="274" r:id="rId25"/>
   </p:sldIdLst>
   <p:sldSz cx="12192000" cy="6858000"/>
   <p:notesSz cx="6858000" cy="9144000"/>
@@ -316,7 +321,7 @@
           <a:p>
             <a:fld id="{4AAD347D-5ACD-4C99-B74B-A9C85AD731AF}" type="datetimeFigureOut">
               <a:rPr lang="en-US" dirty="0"/>
-              <a:t>11/17/2017</a:t>
+              <a:t>12/15/2017</a:t>
             </a:fld>
             <a:endParaRPr lang="en-US" dirty="0"/>
           </a:p>
@@ -586,7 +591,7 @@
           <a:p>
             <a:fld id="{4509A250-FF31-4206-8172-F9D3106AACB1}" type="datetimeFigureOut">
               <a:rPr lang="en-US" dirty="0"/>
-              <a:t>11/17/2017</a:t>
+              <a:t>12/15/2017</a:t>
             </a:fld>
             <a:endParaRPr lang="en-US" dirty="0"/>
           </a:p>
@@ -775,7 +780,7 @@
           <a:p>
             <a:fld id="{4509A250-FF31-4206-8172-F9D3106AACB1}" type="datetimeFigureOut">
               <a:rPr lang="en-US" dirty="0"/>
-              <a:t>11/17/2017</a:t>
+              <a:t>12/15/2017</a:t>
             </a:fld>
             <a:endParaRPr lang="en-US" dirty="0"/>
           </a:p>
@@ -1043,7 +1048,7 @@
           <a:p>
             <a:fld id="{4509A250-FF31-4206-8172-F9D3106AACB1}" type="datetimeFigureOut">
               <a:rPr lang="en-US" dirty="0"/>
-              <a:t>11/17/2017</a:t>
+              <a:t>12/15/2017</a:t>
             </a:fld>
             <a:endParaRPr lang="en-US" dirty="0"/>
           </a:p>
@@ -1379,7 +1384,7 @@
           <a:p>
             <a:fld id="{4509A250-FF31-4206-8172-F9D3106AACB1}" type="datetimeFigureOut">
               <a:rPr lang="en-US" dirty="0"/>
-              <a:t>11/17/2017</a:t>
+              <a:t>12/15/2017</a:t>
             </a:fld>
             <a:endParaRPr lang="en-US" dirty="0"/>
           </a:p>
@@ -1997,7 +2002,7 @@
           <a:p>
             <a:fld id="{4509A250-FF31-4206-8172-F9D3106AACB1}" type="datetimeFigureOut">
               <a:rPr lang="en-US" dirty="0"/>
-              <a:t>11/17/2017</a:t>
+              <a:t>12/15/2017</a:t>
             </a:fld>
             <a:endParaRPr lang="en-US" dirty="0"/>
           </a:p>
@@ -2852,7 +2857,7 @@
           <a:p>
             <a:fld id="{4509A250-FF31-4206-8172-F9D3106AACB1}" type="datetimeFigureOut">
               <a:rPr lang="en-US" dirty="0"/>
-              <a:t>11/17/2017</a:t>
+              <a:t>12/15/2017</a:t>
             </a:fld>
             <a:endParaRPr lang="en-US" dirty="0"/>
           </a:p>
@@ -3017,7 +3022,7 @@
           <a:p>
             <a:fld id="{4509A250-FF31-4206-8172-F9D3106AACB1}" type="datetimeFigureOut">
               <a:rPr lang="en-US" dirty="0"/>
-              <a:t>11/17/2017</a:t>
+              <a:t>12/15/2017</a:t>
             </a:fld>
             <a:endParaRPr lang="en-US" dirty="0"/>
           </a:p>
@@ -3192,7 +3197,7 @@
           <a:p>
             <a:fld id="{4509A250-FF31-4206-8172-F9D3106AACB1}" type="datetimeFigureOut">
               <a:rPr lang="en-US" dirty="0"/>
-              <a:t>11/17/2017</a:t>
+              <a:t>12/15/2017</a:t>
             </a:fld>
             <a:endParaRPr lang="en-US" dirty="0"/>
           </a:p>
@@ -3357,7 +3362,7 @@
           <a:p>
             <a:fld id="{4509A250-FF31-4206-8172-F9D3106AACB1}" type="datetimeFigureOut">
               <a:rPr lang="en-US" dirty="0"/>
-              <a:t>11/17/2017</a:t>
+              <a:t>12/15/2017</a:t>
             </a:fld>
             <a:endParaRPr lang="en-US" dirty="0"/>
           </a:p>
@@ -3599,7 +3604,7 @@
           <a:p>
             <a:fld id="{9796027F-7875-4030-9381-8BD8C4F21935}" type="datetimeFigureOut">
               <a:rPr lang="en-US" dirty="0"/>
-              <a:t>11/17/2017</a:t>
+              <a:t>12/15/2017</a:t>
             </a:fld>
             <a:endParaRPr lang="en-US" dirty="0"/>
           </a:p>
@@ -3886,7 +3891,7 @@
           <a:p>
             <a:fld id="{9796027F-7875-4030-9381-8BD8C4F21935}" type="datetimeFigureOut">
               <a:rPr lang="en-US" dirty="0"/>
-              <a:t>11/17/2017</a:t>
+              <a:t>12/15/2017</a:t>
             </a:fld>
             <a:endParaRPr lang="en-US" dirty="0"/>
           </a:p>
@@ -4325,7 +4330,7 @@
           <a:p>
             <a:fld id="{9796027F-7875-4030-9381-8BD8C4F21935}" type="datetimeFigureOut">
               <a:rPr lang="en-US" dirty="0"/>
-              <a:t>11/17/2017</a:t>
+              <a:t>12/15/2017</a:t>
             </a:fld>
             <a:endParaRPr lang="en-US" dirty="0"/>
           </a:p>
@@ -4438,7 +4443,7 @@
           <a:p>
             <a:fld id="{4509A250-FF31-4206-8172-F9D3106AACB1}" type="datetimeFigureOut">
               <a:rPr lang="en-US" dirty="0"/>
-              <a:t>11/17/2017</a:t>
+              <a:t>12/15/2017</a:t>
             </a:fld>
             <a:endParaRPr lang="en-US" dirty="0"/>
           </a:p>
@@ -4528,7 +4533,7 @@
           <a:p>
             <a:fld id="{4509A250-FF31-4206-8172-F9D3106AACB1}" type="datetimeFigureOut">
               <a:rPr lang="en-US" dirty="0"/>
-              <a:t>11/17/2017</a:t>
+              <a:t>12/15/2017</a:t>
             </a:fld>
             <a:endParaRPr lang="en-US" dirty="0"/>
           </a:p>
@@ -4802,7 +4807,7 @@
           <a:p>
             <a:fld id="{4509A250-FF31-4206-8172-F9D3106AACB1}" type="datetimeFigureOut">
               <a:rPr lang="en-US" dirty="0"/>
-              <a:t>11/17/2017</a:t>
+              <a:t>12/15/2017</a:t>
             </a:fld>
             <a:endParaRPr lang="en-US" dirty="0"/>
           </a:p>
@@ -5072,7 +5077,7 @@
           <a:p>
             <a:fld id="{4509A250-FF31-4206-8172-F9D3106AACB1}" type="datetimeFigureOut">
               <a:rPr lang="en-US" dirty="0"/>
-              <a:t>11/17/2017</a:t>
+              <a:t>12/15/2017</a:t>
             </a:fld>
             <a:endParaRPr lang="en-US" dirty="0"/>
           </a:p>
@@ -5496,7 +5501,7 @@
           <a:p>
             <a:fld id="{4AAD347D-5ACD-4C99-B74B-A9C85AD731AF}" type="datetimeFigureOut">
               <a:rPr lang="en-US" dirty="0"/>
-              <a:t>11/17/2017</a:t>
+              <a:t>12/15/2017</a:t>
             </a:fld>
             <a:endParaRPr lang="en-US" dirty="0"/>
           </a:p>
@@ -8310,7 +8315,7 @@
       </p:sp>
       <p:pic>
         <p:nvPicPr>
-          <p:cNvPr id="3" name="Picture 2"/>
+          <p:cNvPr id="4" name="Picture 3"/>
           <p:cNvPicPr>
             <a:picLocks noChangeAspect="1"/>
           </p:cNvPicPr>
@@ -8324,8 +8329,8 @@
         </p:blipFill>
         <p:spPr>
           <a:xfrm>
-            <a:off x="1271294" y="1516338"/>
-            <a:ext cx="9490297" cy="4632671"/>
+            <a:off x="1028700" y="1438275"/>
+            <a:ext cx="9710737" cy="5276850"/>
           </a:xfrm>
           <a:prstGeom prst="rect">
             <a:avLst/>
@@ -8465,6 +8470,30 @@
           </a:p>
         </p:txBody>
       </p:sp>
+      <p:pic>
+        <p:nvPicPr>
+          <p:cNvPr id="3" name="Picture 2"/>
+          <p:cNvPicPr>
+            <a:picLocks noChangeAspect="1"/>
+          </p:cNvPicPr>
+          <p:nvPr/>
+        </p:nvPicPr>
+        <p:blipFill>
+          <a:blip r:embed="rId2"/>
+          <a:stretch>
+            <a:fillRect/>
+          </a:stretch>
+        </p:blipFill>
+        <p:spPr>
+          <a:xfrm>
+            <a:off x="0" y="321884"/>
+            <a:ext cx="12192000" cy="6214231"/>
+          </a:xfrm>
+          <a:prstGeom prst="rect">
+            <a:avLst/>
+          </a:prstGeom>
+        </p:spPr>
+      </p:pic>
     </p:spTree>
     <p:extLst>
       <p:ext uri="{BB962C8B-B14F-4D97-AF65-F5344CB8AC3E}">
@@ -8520,64 +8549,6 @@
                 <a:spcPct val="150000"/>
               </a:lnSpc>
             </a:pPr>
-            <a:r>
-              <a:rPr lang="en-US" sz="4400" smtClean="0">
-                <a:solidFill>
-                  <a:schemeClr val="tx1"/>
-                </a:solidFill>
-                <a:latin typeface="Arial" panose="020B0604020202020204" pitchFamily="34" charset="0"/>
-                <a:cs typeface="Arial" panose="020B0604020202020204" pitchFamily="34" charset="0"/>
-              </a:rPr>
-              <a:t>          </a:t>
-            </a:r>
-            <a:r>
-              <a:rPr lang="en-US" sz="5400" smtClean="0">
-                <a:solidFill>
-                  <a:schemeClr val="tx1"/>
-                </a:solidFill>
-                <a:latin typeface="Arial" panose="020B0604020202020204" pitchFamily="34" charset="0"/>
-                <a:cs typeface="Arial" panose="020B0604020202020204" pitchFamily="34" charset="0"/>
-              </a:rPr>
-              <a:t>Thanks for watching </a:t>
-            </a:r>
-            <a:r>
-              <a:rPr lang="en-US" sz="2400" smtClean="0">
-                <a:solidFill>
-                  <a:schemeClr val="tx1"/>
-                </a:solidFill>
-                <a:latin typeface="Arial" panose="020B0604020202020204" pitchFamily="34" charset="0"/>
-                <a:cs typeface="Arial" panose="020B0604020202020204" pitchFamily="34" charset="0"/>
-              </a:rPr>
-              <a:t/>
-            </a:r>
-            <a:br>
-              <a:rPr lang="en-US" sz="2400" smtClean="0">
-                <a:solidFill>
-                  <a:schemeClr val="tx1"/>
-                </a:solidFill>
-                <a:latin typeface="Arial" panose="020B0604020202020204" pitchFamily="34" charset="0"/>
-                <a:cs typeface="Arial" panose="020B0604020202020204" pitchFamily="34" charset="0"/>
-              </a:rPr>
-            </a:br>
-            <a:r>
-              <a:rPr lang="en-US" sz="1800" smtClean="0">
-                <a:solidFill>
-                  <a:schemeClr val="tx1"/>
-                </a:solidFill>
-                <a:latin typeface="Arial" panose="020B0604020202020204" pitchFamily="34" charset="0"/>
-                <a:cs typeface="Arial" panose="020B0604020202020204" pitchFamily="34" charset="0"/>
-              </a:rPr>
-              <a:t/>
-            </a:r>
-            <a:br>
-              <a:rPr lang="en-US" sz="1800" smtClean="0">
-                <a:solidFill>
-                  <a:schemeClr val="tx1"/>
-                </a:solidFill>
-                <a:latin typeface="Arial" panose="020B0604020202020204" pitchFamily="34" charset="0"/>
-                <a:cs typeface="Arial" panose="020B0604020202020204" pitchFamily="34" charset="0"/>
-              </a:rPr>
-            </a:br>
             <a:endParaRPr lang="vi-VN" sz="1800">
               <a:solidFill>
                 <a:schemeClr val="tx1"/>
@@ -8588,10 +8559,34 @@
           </a:p>
         </p:txBody>
       </p:sp>
+      <p:pic>
+        <p:nvPicPr>
+          <p:cNvPr id="3" name="Picture 2"/>
+          <p:cNvPicPr>
+            <a:picLocks noChangeAspect="1"/>
+          </p:cNvPicPr>
+          <p:nvPr/>
+        </p:nvPicPr>
+        <p:blipFill>
+          <a:blip r:embed="rId2"/>
+          <a:stretch>
+            <a:fillRect/>
+          </a:stretch>
+        </p:blipFill>
+        <p:spPr>
+          <a:xfrm>
+            <a:off x="-279400" y="1305834"/>
+            <a:ext cx="12192000" cy="4322532"/>
+          </a:xfrm>
+          <a:prstGeom prst="rect">
+            <a:avLst/>
+          </a:prstGeom>
+        </p:spPr>
+      </p:pic>
     </p:spTree>
     <p:extLst>
       <p:ext uri="{BB962C8B-B14F-4D97-AF65-F5344CB8AC3E}">
-        <p14:creationId xmlns:p14="http://schemas.microsoft.com/office/powerpoint/2010/main" val="2431441458"/>
+        <p14:creationId xmlns:p14="http://schemas.microsoft.com/office/powerpoint/2010/main" val="2505482678"/>
       </p:ext>
     </p:extLst>
   </p:cSld>
@@ -8995,6 +8990,718 @@
       </p:par>
     </p:tnLst>
   </p:timing>
+</p:sld>
+</file>
+
+<file path=ppt/slides/slide20.xml><?xml version="1.0" encoding="utf-8"?>
+<p:sld xmlns:a="http://schemas.openxmlformats.org/drawingml/2006/main" xmlns:r="http://schemas.openxmlformats.org/officeDocument/2006/relationships" xmlns:p="http://schemas.openxmlformats.org/presentationml/2006/main">
+  <p:cSld>
+    <p:spTree>
+      <p:nvGrpSpPr>
+        <p:cNvPr id="1" name=""/>
+        <p:cNvGrpSpPr/>
+        <p:nvPr/>
+      </p:nvGrpSpPr>
+      <p:grpSpPr>
+        <a:xfrm>
+          <a:off x="0" y="0"/>
+          <a:ext cx="0" cy="0"/>
+          <a:chOff x="0" y="0"/>
+          <a:chExt cx="0" cy="0"/>
+        </a:xfrm>
+      </p:grpSpPr>
+      <p:sp>
+        <p:nvSpPr>
+          <p:cNvPr id="2" name="Title 1"/>
+          <p:cNvSpPr>
+            <a:spLocks noGrp="1"/>
+          </p:cNvSpPr>
+          <p:nvPr>
+            <p:ph type="ctrTitle"/>
+          </p:nvPr>
+        </p:nvSpPr>
+        <p:spPr>
+          <a:xfrm>
+            <a:off x="1625739" y="2318197"/>
+            <a:ext cx="8825658" cy="2344338"/>
+          </a:xfrm>
+        </p:spPr>
+        <p:txBody>
+          <a:bodyPr/>
+          <a:lstStyle/>
+          <a:p>
+            <a:pPr>
+              <a:lnSpc>
+                <a:spcPct val="150000"/>
+              </a:lnSpc>
+            </a:pPr>
+            <a:r>
+              <a:rPr lang="en-US" sz="4400" smtClean="0">
+                <a:solidFill>
+                  <a:schemeClr val="tx1"/>
+                </a:solidFill>
+                <a:latin typeface="Arial" panose="020B0604020202020204" pitchFamily="34" charset="0"/>
+                <a:cs typeface="Arial" panose="020B0604020202020204" pitchFamily="34" charset="0"/>
+              </a:rPr>
+              <a:t>                     </a:t>
+            </a:r>
+            <a:r>
+              <a:rPr lang="en-US" sz="1800" smtClean="0">
+                <a:solidFill>
+                  <a:schemeClr val="tx1"/>
+                </a:solidFill>
+                <a:latin typeface="Arial" panose="020B0604020202020204" pitchFamily="34" charset="0"/>
+                <a:cs typeface="Arial" panose="020B0604020202020204" pitchFamily="34" charset="0"/>
+              </a:rPr>
+              <a:t/>
+            </a:r>
+            <a:br>
+              <a:rPr lang="en-US" sz="1800" smtClean="0">
+                <a:solidFill>
+                  <a:schemeClr val="tx1"/>
+                </a:solidFill>
+                <a:latin typeface="Arial" panose="020B0604020202020204" pitchFamily="34" charset="0"/>
+                <a:cs typeface="Arial" panose="020B0604020202020204" pitchFamily="34" charset="0"/>
+              </a:rPr>
+            </a:br>
+            <a:endParaRPr lang="vi-VN" sz="1800">
+              <a:solidFill>
+                <a:schemeClr val="tx1"/>
+              </a:solidFill>
+              <a:latin typeface="Arial" panose="020B0604020202020204" pitchFamily="34" charset="0"/>
+              <a:cs typeface="Arial" panose="020B0604020202020204" pitchFamily="34" charset="0"/>
+            </a:endParaRPr>
+          </a:p>
+        </p:txBody>
+      </p:sp>
+      <p:pic>
+        <p:nvPicPr>
+          <p:cNvPr id="3" name="Picture 2"/>
+          <p:cNvPicPr>
+            <a:picLocks noChangeAspect="1"/>
+          </p:cNvPicPr>
+          <p:nvPr/>
+        </p:nvPicPr>
+        <p:blipFill>
+          <a:blip r:embed="rId2"/>
+          <a:stretch>
+            <a:fillRect/>
+          </a:stretch>
+        </p:blipFill>
+        <p:spPr>
+          <a:xfrm>
+            <a:off x="1364968" y="1127096"/>
+            <a:ext cx="9347200" cy="4726540"/>
+          </a:xfrm>
+          <a:prstGeom prst="rect">
+            <a:avLst/>
+          </a:prstGeom>
+        </p:spPr>
+      </p:pic>
+    </p:spTree>
+    <p:extLst>
+      <p:ext uri="{BB962C8B-B14F-4D97-AF65-F5344CB8AC3E}">
+        <p14:creationId xmlns:p14="http://schemas.microsoft.com/office/powerpoint/2010/main" val="3206197014"/>
+      </p:ext>
+    </p:extLst>
+  </p:cSld>
+  <p:clrMapOvr>
+    <a:masterClrMapping/>
+  </p:clrMapOvr>
+</p:sld>
+</file>
+
+<file path=ppt/slides/slide21.xml><?xml version="1.0" encoding="utf-8"?>
+<p:sld xmlns:a="http://schemas.openxmlformats.org/drawingml/2006/main" xmlns:r="http://schemas.openxmlformats.org/officeDocument/2006/relationships" xmlns:p="http://schemas.openxmlformats.org/presentationml/2006/main">
+  <p:cSld>
+    <p:spTree>
+      <p:nvGrpSpPr>
+        <p:cNvPr id="1" name=""/>
+        <p:cNvGrpSpPr/>
+        <p:nvPr/>
+      </p:nvGrpSpPr>
+      <p:grpSpPr>
+        <a:xfrm>
+          <a:off x="0" y="0"/>
+          <a:ext cx="0" cy="0"/>
+          <a:chOff x="0" y="0"/>
+          <a:chExt cx="0" cy="0"/>
+        </a:xfrm>
+      </p:grpSpPr>
+      <p:sp>
+        <p:nvSpPr>
+          <p:cNvPr id="2" name="Title 1"/>
+          <p:cNvSpPr>
+            <a:spLocks noGrp="1"/>
+          </p:cNvSpPr>
+          <p:nvPr>
+            <p:ph type="ctrTitle"/>
+          </p:nvPr>
+        </p:nvSpPr>
+        <p:spPr>
+          <a:xfrm>
+            <a:off x="1625739" y="2318197"/>
+            <a:ext cx="8825658" cy="2344338"/>
+          </a:xfrm>
+        </p:spPr>
+        <p:txBody>
+          <a:bodyPr/>
+          <a:lstStyle/>
+          <a:p>
+            <a:pPr>
+              <a:lnSpc>
+                <a:spcPct val="150000"/>
+              </a:lnSpc>
+            </a:pPr>
+            <a:r>
+              <a:rPr lang="en-US" sz="4400" smtClean="0">
+                <a:solidFill>
+                  <a:schemeClr val="tx1"/>
+                </a:solidFill>
+                <a:latin typeface="Arial" panose="020B0604020202020204" pitchFamily="34" charset="0"/>
+                <a:cs typeface="Arial" panose="020B0604020202020204" pitchFamily="34" charset="0"/>
+              </a:rPr>
+              <a:t>                     </a:t>
+            </a:r>
+            <a:r>
+              <a:rPr lang="en-US" sz="5400" smtClean="0">
+                <a:solidFill>
+                  <a:schemeClr val="tx1"/>
+                </a:solidFill>
+                <a:latin typeface="Arial" panose="020B0604020202020204" pitchFamily="34" charset="0"/>
+                <a:cs typeface="Arial" panose="020B0604020202020204" pitchFamily="34" charset="0"/>
+              </a:rPr>
+              <a:t>DEMO</a:t>
+            </a:r>
+            <a:r>
+              <a:rPr lang="en-US" sz="4400" smtClean="0">
+                <a:solidFill>
+                  <a:schemeClr val="tx1"/>
+                </a:solidFill>
+                <a:latin typeface="Arial" panose="020B0604020202020204" pitchFamily="34" charset="0"/>
+                <a:cs typeface="Arial" panose="020B0604020202020204" pitchFamily="34" charset="0"/>
+              </a:rPr>
+              <a:t>  </a:t>
+            </a:r>
+            <a:r>
+              <a:rPr lang="en-US" sz="2400" smtClean="0">
+                <a:solidFill>
+                  <a:schemeClr val="tx1"/>
+                </a:solidFill>
+                <a:latin typeface="Arial" panose="020B0604020202020204" pitchFamily="34" charset="0"/>
+                <a:cs typeface="Arial" panose="020B0604020202020204" pitchFamily="34" charset="0"/>
+              </a:rPr>
+              <a:t/>
+            </a:r>
+            <a:br>
+              <a:rPr lang="en-US" sz="2400" smtClean="0">
+                <a:solidFill>
+                  <a:schemeClr val="tx1"/>
+                </a:solidFill>
+                <a:latin typeface="Arial" panose="020B0604020202020204" pitchFamily="34" charset="0"/>
+                <a:cs typeface="Arial" panose="020B0604020202020204" pitchFamily="34" charset="0"/>
+              </a:rPr>
+            </a:br>
+            <a:r>
+              <a:rPr lang="en-US" sz="1800" smtClean="0">
+                <a:solidFill>
+                  <a:schemeClr val="tx1"/>
+                </a:solidFill>
+                <a:latin typeface="Arial" panose="020B0604020202020204" pitchFamily="34" charset="0"/>
+                <a:cs typeface="Arial" panose="020B0604020202020204" pitchFamily="34" charset="0"/>
+              </a:rPr>
+              <a:t/>
+            </a:r>
+            <a:br>
+              <a:rPr lang="en-US" sz="1800" smtClean="0">
+                <a:solidFill>
+                  <a:schemeClr val="tx1"/>
+                </a:solidFill>
+                <a:latin typeface="Arial" panose="020B0604020202020204" pitchFamily="34" charset="0"/>
+                <a:cs typeface="Arial" panose="020B0604020202020204" pitchFamily="34" charset="0"/>
+              </a:rPr>
+            </a:br>
+            <a:endParaRPr lang="vi-VN" sz="1800">
+              <a:solidFill>
+                <a:schemeClr val="tx1"/>
+              </a:solidFill>
+              <a:latin typeface="Arial" panose="020B0604020202020204" pitchFamily="34" charset="0"/>
+              <a:cs typeface="Arial" panose="020B0604020202020204" pitchFamily="34" charset="0"/>
+            </a:endParaRPr>
+          </a:p>
+        </p:txBody>
+      </p:sp>
+      <p:pic>
+        <p:nvPicPr>
+          <p:cNvPr id="3" name="Picture 2"/>
+          <p:cNvPicPr>
+            <a:picLocks noChangeAspect="1"/>
+          </p:cNvPicPr>
+          <p:nvPr/>
+        </p:nvPicPr>
+        <p:blipFill>
+          <a:blip r:embed="rId2"/>
+          <a:stretch>
+            <a:fillRect/>
+          </a:stretch>
+        </p:blipFill>
+        <p:spPr>
+          <a:xfrm>
+            <a:off x="0" y="1349744"/>
+            <a:ext cx="12192000" cy="4158512"/>
+          </a:xfrm>
+          <a:prstGeom prst="rect">
+            <a:avLst/>
+          </a:prstGeom>
+        </p:spPr>
+      </p:pic>
+    </p:spTree>
+    <p:extLst>
+      <p:ext uri="{BB962C8B-B14F-4D97-AF65-F5344CB8AC3E}">
+        <p14:creationId xmlns:p14="http://schemas.microsoft.com/office/powerpoint/2010/main" val="742335512"/>
+      </p:ext>
+    </p:extLst>
+  </p:cSld>
+  <p:clrMapOvr>
+    <a:masterClrMapping/>
+  </p:clrMapOvr>
+</p:sld>
+</file>
+
+<file path=ppt/slides/slide22.xml><?xml version="1.0" encoding="utf-8"?>
+<p:sld xmlns:a="http://schemas.openxmlformats.org/drawingml/2006/main" xmlns:r="http://schemas.openxmlformats.org/officeDocument/2006/relationships" xmlns:p="http://schemas.openxmlformats.org/presentationml/2006/main">
+  <p:cSld>
+    <p:spTree>
+      <p:nvGrpSpPr>
+        <p:cNvPr id="1" name=""/>
+        <p:cNvGrpSpPr/>
+        <p:nvPr/>
+      </p:nvGrpSpPr>
+      <p:grpSpPr>
+        <a:xfrm>
+          <a:off x="0" y="0"/>
+          <a:ext cx="0" cy="0"/>
+          <a:chOff x="0" y="0"/>
+          <a:chExt cx="0" cy="0"/>
+        </a:xfrm>
+      </p:grpSpPr>
+      <p:sp>
+        <p:nvSpPr>
+          <p:cNvPr id="2" name="Title 1"/>
+          <p:cNvSpPr>
+            <a:spLocks noGrp="1"/>
+          </p:cNvSpPr>
+          <p:nvPr>
+            <p:ph type="ctrTitle"/>
+          </p:nvPr>
+        </p:nvSpPr>
+        <p:spPr>
+          <a:xfrm>
+            <a:off x="1625739" y="2318197"/>
+            <a:ext cx="8825658" cy="2344338"/>
+          </a:xfrm>
+        </p:spPr>
+        <p:txBody>
+          <a:bodyPr/>
+          <a:lstStyle/>
+          <a:p>
+            <a:pPr>
+              <a:lnSpc>
+                <a:spcPct val="150000"/>
+              </a:lnSpc>
+            </a:pPr>
+            <a:r>
+              <a:rPr lang="en-US" sz="4400" smtClean="0">
+                <a:solidFill>
+                  <a:schemeClr val="tx1"/>
+                </a:solidFill>
+                <a:latin typeface="Arial" panose="020B0604020202020204" pitchFamily="34" charset="0"/>
+                <a:cs typeface="Arial" panose="020B0604020202020204" pitchFamily="34" charset="0"/>
+              </a:rPr>
+              <a:t>                     </a:t>
+            </a:r>
+            <a:r>
+              <a:rPr lang="en-US" sz="5400" smtClean="0">
+                <a:solidFill>
+                  <a:schemeClr val="tx1"/>
+                </a:solidFill>
+                <a:latin typeface="Arial" panose="020B0604020202020204" pitchFamily="34" charset="0"/>
+                <a:cs typeface="Arial" panose="020B0604020202020204" pitchFamily="34" charset="0"/>
+              </a:rPr>
+              <a:t>DEMO</a:t>
+            </a:r>
+            <a:r>
+              <a:rPr lang="en-US" sz="4400" smtClean="0">
+                <a:solidFill>
+                  <a:schemeClr val="tx1"/>
+                </a:solidFill>
+                <a:latin typeface="Arial" panose="020B0604020202020204" pitchFamily="34" charset="0"/>
+                <a:cs typeface="Arial" panose="020B0604020202020204" pitchFamily="34" charset="0"/>
+              </a:rPr>
+              <a:t>  </a:t>
+            </a:r>
+            <a:r>
+              <a:rPr lang="en-US" sz="2400" smtClean="0">
+                <a:solidFill>
+                  <a:schemeClr val="tx1"/>
+                </a:solidFill>
+                <a:latin typeface="Arial" panose="020B0604020202020204" pitchFamily="34" charset="0"/>
+                <a:cs typeface="Arial" panose="020B0604020202020204" pitchFamily="34" charset="0"/>
+              </a:rPr>
+              <a:t/>
+            </a:r>
+            <a:br>
+              <a:rPr lang="en-US" sz="2400" smtClean="0">
+                <a:solidFill>
+                  <a:schemeClr val="tx1"/>
+                </a:solidFill>
+                <a:latin typeface="Arial" panose="020B0604020202020204" pitchFamily="34" charset="0"/>
+                <a:cs typeface="Arial" panose="020B0604020202020204" pitchFamily="34" charset="0"/>
+              </a:rPr>
+            </a:br>
+            <a:r>
+              <a:rPr lang="en-US" sz="1800" smtClean="0">
+                <a:solidFill>
+                  <a:schemeClr val="tx1"/>
+                </a:solidFill>
+                <a:latin typeface="Arial" panose="020B0604020202020204" pitchFamily="34" charset="0"/>
+                <a:cs typeface="Arial" panose="020B0604020202020204" pitchFamily="34" charset="0"/>
+              </a:rPr>
+              <a:t/>
+            </a:r>
+            <a:br>
+              <a:rPr lang="en-US" sz="1800" smtClean="0">
+                <a:solidFill>
+                  <a:schemeClr val="tx1"/>
+                </a:solidFill>
+                <a:latin typeface="Arial" panose="020B0604020202020204" pitchFamily="34" charset="0"/>
+                <a:cs typeface="Arial" panose="020B0604020202020204" pitchFamily="34" charset="0"/>
+              </a:rPr>
+            </a:br>
+            <a:endParaRPr lang="vi-VN" sz="1800">
+              <a:solidFill>
+                <a:schemeClr val="tx1"/>
+              </a:solidFill>
+              <a:latin typeface="Arial" panose="020B0604020202020204" pitchFamily="34" charset="0"/>
+              <a:cs typeface="Arial" panose="020B0604020202020204" pitchFamily="34" charset="0"/>
+            </a:endParaRPr>
+          </a:p>
+        </p:txBody>
+      </p:sp>
+      <p:pic>
+        <p:nvPicPr>
+          <p:cNvPr id="4" name="Picture 3"/>
+          <p:cNvPicPr>
+            <a:picLocks noChangeAspect="1"/>
+          </p:cNvPicPr>
+          <p:nvPr/>
+        </p:nvPicPr>
+        <p:blipFill>
+          <a:blip r:embed="rId2"/>
+          <a:stretch>
+            <a:fillRect/>
+          </a:stretch>
+        </p:blipFill>
+        <p:spPr>
+          <a:xfrm>
+            <a:off x="0" y="279321"/>
+            <a:ext cx="12192000" cy="6299358"/>
+          </a:xfrm>
+          <a:prstGeom prst="rect">
+            <a:avLst/>
+          </a:prstGeom>
+        </p:spPr>
+      </p:pic>
+    </p:spTree>
+    <p:extLst>
+      <p:ext uri="{BB962C8B-B14F-4D97-AF65-F5344CB8AC3E}">
+        <p14:creationId xmlns:p14="http://schemas.microsoft.com/office/powerpoint/2010/main" val="938108805"/>
+      </p:ext>
+    </p:extLst>
+  </p:cSld>
+  <p:clrMapOvr>
+    <a:masterClrMapping/>
+  </p:clrMapOvr>
+</p:sld>
+</file>
+
+<file path=ppt/slides/slide23.xml><?xml version="1.0" encoding="utf-8"?>
+<p:sld xmlns:a="http://schemas.openxmlformats.org/drawingml/2006/main" xmlns:r="http://schemas.openxmlformats.org/officeDocument/2006/relationships" xmlns:p="http://schemas.openxmlformats.org/presentationml/2006/main">
+  <p:cSld>
+    <p:spTree>
+      <p:nvGrpSpPr>
+        <p:cNvPr id="1" name=""/>
+        <p:cNvGrpSpPr/>
+        <p:nvPr/>
+      </p:nvGrpSpPr>
+      <p:grpSpPr>
+        <a:xfrm>
+          <a:off x="0" y="0"/>
+          <a:ext cx="0" cy="0"/>
+          <a:chOff x="0" y="0"/>
+          <a:chExt cx="0" cy="0"/>
+        </a:xfrm>
+      </p:grpSpPr>
+      <p:sp>
+        <p:nvSpPr>
+          <p:cNvPr id="2" name="Title 1"/>
+          <p:cNvSpPr>
+            <a:spLocks noGrp="1"/>
+          </p:cNvSpPr>
+          <p:nvPr>
+            <p:ph type="ctrTitle"/>
+          </p:nvPr>
+        </p:nvSpPr>
+        <p:spPr>
+          <a:xfrm>
+            <a:off x="1625739" y="2318197"/>
+            <a:ext cx="8825658" cy="2344338"/>
+          </a:xfrm>
+        </p:spPr>
+        <p:txBody>
+          <a:bodyPr/>
+          <a:lstStyle/>
+          <a:p>
+            <a:pPr>
+              <a:lnSpc>
+                <a:spcPct val="150000"/>
+              </a:lnSpc>
+            </a:pPr>
+            <a:r>
+              <a:rPr lang="en-US" sz="4400" smtClean="0">
+                <a:solidFill>
+                  <a:schemeClr val="tx1"/>
+                </a:solidFill>
+                <a:latin typeface="Arial" panose="020B0604020202020204" pitchFamily="34" charset="0"/>
+                <a:cs typeface="Arial" panose="020B0604020202020204" pitchFamily="34" charset="0"/>
+              </a:rPr>
+              <a:t>                     </a:t>
+            </a:r>
+            <a:r>
+              <a:rPr lang="en-US" sz="5400" smtClean="0">
+                <a:solidFill>
+                  <a:schemeClr val="tx1"/>
+                </a:solidFill>
+                <a:latin typeface="Arial" panose="020B0604020202020204" pitchFamily="34" charset="0"/>
+                <a:cs typeface="Arial" panose="020B0604020202020204" pitchFamily="34" charset="0"/>
+              </a:rPr>
+              <a:t>DEMO</a:t>
+            </a:r>
+            <a:r>
+              <a:rPr lang="en-US" sz="4400" smtClean="0">
+                <a:solidFill>
+                  <a:schemeClr val="tx1"/>
+                </a:solidFill>
+                <a:latin typeface="Arial" panose="020B0604020202020204" pitchFamily="34" charset="0"/>
+                <a:cs typeface="Arial" panose="020B0604020202020204" pitchFamily="34" charset="0"/>
+              </a:rPr>
+              <a:t>  </a:t>
+            </a:r>
+            <a:r>
+              <a:rPr lang="en-US" sz="2400" smtClean="0">
+                <a:solidFill>
+                  <a:schemeClr val="tx1"/>
+                </a:solidFill>
+                <a:latin typeface="Arial" panose="020B0604020202020204" pitchFamily="34" charset="0"/>
+                <a:cs typeface="Arial" panose="020B0604020202020204" pitchFamily="34" charset="0"/>
+              </a:rPr>
+              <a:t/>
+            </a:r>
+            <a:br>
+              <a:rPr lang="en-US" sz="2400" smtClean="0">
+                <a:solidFill>
+                  <a:schemeClr val="tx1"/>
+                </a:solidFill>
+                <a:latin typeface="Arial" panose="020B0604020202020204" pitchFamily="34" charset="0"/>
+                <a:cs typeface="Arial" panose="020B0604020202020204" pitchFamily="34" charset="0"/>
+              </a:rPr>
+            </a:br>
+            <a:r>
+              <a:rPr lang="en-US" sz="1800" smtClean="0">
+                <a:solidFill>
+                  <a:schemeClr val="tx1"/>
+                </a:solidFill>
+                <a:latin typeface="Arial" panose="020B0604020202020204" pitchFamily="34" charset="0"/>
+                <a:cs typeface="Arial" panose="020B0604020202020204" pitchFamily="34" charset="0"/>
+              </a:rPr>
+              <a:t/>
+            </a:r>
+            <a:br>
+              <a:rPr lang="en-US" sz="1800" smtClean="0">
+                <a:solidFill>
+                  <a:schemeClr val="tx1"/>
+                </a:solidFill>
+                <a:latin typeface="Arial" panose="020B0604020202020204" pitchFamily="34" charset="0"/>
+                <a:cs typeface="Arial" panose="020B0604020202020204" pitchFamily="34" charset="0"/>
+              </a:rPr>
+            </a:br>
+            <a:endParaRPr lang="vi-VN" sz="1800">
+              <a:solidFill>
+                <a:schemeClr val="tx1"/>
+              </a:solidFill>
+              <a:latin typeface="Arial" panose="020B0604020202020204" pitchFamily="34" charset="0"/>
+              <a:cs typeface="Arial" panose="020B0604020202020204" pitchFamily="34" charset="0"/>
+            </a:endParaRPr>
+          </a:p>
+        </p:txBody>
+      </p:sp>
+      <p:pic>
+        <p:nvPicPr>
+          <p:cNvPr id="4" name="Picture 3"/>
+          <p:cNvPicPr>
+            <a:picLocks noChangeAspect="1"/>
+          </p:cNvPicPr>
+          <p:nvPr/>
+        </p:nvPicPr>
+        <p:blipFill>
+          <a:blip r:embed="rId2"/>
+          <a:stretch>
+            <a:fillRect/>
+          </a:stretch>
+        </p:blipFill>
+        <p:spPr>
+          <a:xfrm>
+            <a:off x="0" y="359784"/>
+            <a:ext cx="12192000" cy="6138432"/>
+          </a:xfrm>
+          <a:prstGeom prst="rect">
+            <a:avLst/>
+          </a:prstGeom>
+        </p:spPr>
+      </p:pic>
+    </p:spTree>
+    <p:extLst>
+      <p:ext uri="{BB962C8B-B14F-4D97-AF65-F5344CB8AC3E}">
+        <p14:creationId xmlns:p14="http://schemas.microsoft.com/office/powerpoint/2010/main" val="2236935409"/>
+      </p:ext>
+    </p:extLst>
+  </p:cSld>
+  <p:clrMapOvr>
+    <a:masterClrMapping/>
+  </p:clrMapOvr>
+</p:sld>
+</file>
+
+<file path=ppt/slides/slide24.xml><?xml version="1.0" encoding="utf-8"?>
+<p:sld xmlns:a="http://schemas.openxmlformats.org/drawingml/2006/main" xmlns:r="http://schemas.openxmlformats.org/officeDocument/2006/relationships" xmlns:p="http://schemas.openxmlformats.org/presentationml/2006/main">
+  <p:cSld>
+    <p:spTree>
+      <p:nvGrpSpPr>
+        <p:cNvPr id="1" name=""/>
+        <p:cNvGrpSpPr/>
+        <p:nvPr/>
+      </p:nvGrpSpPr>
+      <p:grpSpPr>
+        <a:xfrm>
+          <a:off x="0" y="0"/>
+          <a:ext cx="0" cy="0"/>
+          <a:chOff x="0" y="0"/>
+          <a:chExt cx="0" cy="0"/>
+        </a:xfrm>
+      </p:grpSpPr>
+      <p:sp>
+        <p:nvSpPr>
+          <p:cNvPr id="2" name="Title 1"/>
+          <p:cNvSpPr>
+            <a:spLocks noGrp="1"/>
+          </p:cNvSpPr>
+          <p:nvPr>
+            <p:ph type="ctrTitle"/>
+          </p:nvPr>
+        </p:nvSpPr>
+        <p:spPr>
+          <a:xfrm>
+            <a:off x="1625739" y="2318197"/>
+            <a:ext cx="8825658" cy="2344338"/>
+          </a:xfrm>
+        </p:spPr>
+        <p:txBody>
+          <a:bodyPr/>
+          <a:lstStyle/>
+          <a:p>
+            <a:pPr>
+              <a:lnSpc>
+                <a:spcPct val="150000"/>
+              </a:lnSpc>
+            </a:pPr>
+            <a:r>
+              <a:rPr lang="en-US" sz="4400" smtClean="0">
+                <a:solidFill>
+                  <a:schemeClr val="tx1"/>
+                </a:solidFill>
+                <a:latin typeface="Arial" panose="020B0604020202020204" pitchFamily="34" charset="0"/>
+                <a:cs typeface="Arial" panose="020B0604020202020204" pitchFamily="34" charset="0"/>
+              </a:rPr>
+              <a:t>          </a:t>
+            </a:r>
+            <a:r>
+              <a:rPr lang="en-US" sz="5400" smtClean="0">
+                <a:solidFill>
+                  <a:schemeClr val="tx1"/>
+                </a:solidFill>
+                <a:latin typeface="Arial" panose="020B0604020202020204" pitchFamily="34" charset="0"/>
+                <a:cs typeface="Arial" panose="020B0604020202020204" pitchFamily="34" charset="0"/>
+              </a:rPr>
+              <a:t>Thanks for watching </a:t>
+            </a:r>
+            <a:r>
+              <a:rPr lang="en-US" sz="2400" smtClean="0">
+                <a:solidFill>
+                  <a:schemeClr val="tx1"/>
+                </a:solidFill>
+                <a:latin typeface="Arial" panose="020B0604020202020204" pitchFamily="34" charset="0"/>
+                <a:cs typeface="Arial" panose="020B0604020202020204" pitchFamily="34" charset="0"/>
+              </a:rPr>
+              <a:t/>
+            </a:r>
+            <a:br>
+              <a:rPr lang="en-US" sz="2400" smtClean="0">
+                <a:solidFill>
+                  <a:schemeClr val="tx1"/>
+                </a:solidFill>
+                <a:latin typeface="Arial" panose="020B0604020202020204" pitchFamily="34" charset="0"/>
+                <a:cs typeface="Arial" panose="020B0604020202020204" pitchFamily="34" charset="0"/>
+              </a:rPr>
+            </a:br>
+            <a:r>
+              <a:rPr lang="en-US" sz="1800" smtClean="0">
+                <a:solidFill>
+                  <a:schemeClr val="tx1"/>
+                </a:solidFill>
+                <a:latin typeface="Arial" panose="020B0604020202020204" pitchFamily="34" charset="0"/>
+                <a:cs typeface="Arial" panose="020B0604020202020204" pitchFamily="34" charset="0"/>
+              </a:rPr>
+              <a:t/>
+            </a:r>
+            <a:br>
+              <a:rPr lang="en-US" sz="1800" smtClean="0">
+                <a:solidFill>
+                  <a:schemeClr val="tx1"/>
+                </a:solidFill>
+                <a:latin typeface="Arial" panose="020B0604020202020204" pitchFamily="34" charset="0"/>
+                <a:cs typeface="Arial" panose="020B0604020202020204" pitchFamily="34" charset="0"/>
+              </a:rPr>
+            </a:br>
+            <a:endParaRPr lang="vi-VN" sz="1800">
+              <a:solidFill>
+                <a:schemeClr val="tx1"/>
+              </a:solidFill>
+              <a:latin typeface="Arial" panose="020B0604020202020204" pitchFamily="34" charset="0"/>
+              <a:cs typeface="Arial" panose="020B0604020202020204" pitchFamily="34" charset="0"/>
+            </a:endParaRPr>
+          </a:p>
+        </p:txBody>
+      </p:sp>
+    </p:spTree>
+    <p:extLst>
+      <p:ext uri="{BB962C8B-B14F-4D97-AF65-F5344CB8AC3E}">
+        <p14:creationId xmlns:p14="http://schemas.microsoft.com/office/powerpoint/2010/main" val="2431441458"/>
+      </p:ext>
+    </p:extLst>
+  </p:cSld>
+  <p:clrMapOvr>
+    <a:masterClrMapping/>
+  </p:clrMapOvr>
 </p:sld>
 </file>
 
@@ -12620,17 +13327,7 @@
                 <a:latin typeface="Arial" panose="020B0604020202020204" pitchFamily="34" charset="0"/>
                 <a:cs typeface="Arial" panose="020B0604020202020204" pitchFamily="34" charset="0"/>
               </a:rPr>
-              <a:t>Giải quyết bài </a:t>
-            </a:r>
-            <a:r>
-              <a:rPr lang="en-US" sz="3200" smtClean="0">
-                <a:solidFill>
-                  <a:schemeClr val="tx1"/>
-                </a:solidFill>
-                <a:latin typeface="Arial" panose="020B0604020202020204" pitchFamily="34" charset="0"/>
-                <a:cs typeface="Arial" panose="020B0604020202020204" pitchFamily="34" charset="0"/>
-              </a:rPr>
-              <a:t>toán</a:t>
+              <a:t>Giải quyết bài toán</a:t>
             </a:r>
             <a:r>
               <a:rPr lang="en-US" sz="2400">
@@ -12669,37 +13366,7 @@
                 <a:latin typeface="Arial" panose="020B0604020202020204" pitchFamily="34" charset="0"/>
                 <a:cs typeface="Arial" panose="020B0604020202020204" pitchFamily="34" charset="0"/>
               </a:rPr>
-              <a:t> </a:t>
-            </a:r>
-            <a:r>
-              <a:rPr lang="en-US" sz="1800" smtClean="0">
-                <a:solidFill>
-                  <a:schemeClr val="tx1"/>
-                </a:solidFill>
-                <a:latin typeface="Arial" panose="020B0604020202020204" pitchFamily="34" charset="0"/>
-                <a:cs typeface="Arial" panose="020B0604020202020204" pitchFamily="34" charset="0"/>
-              </a:rPr>
-              <a:t>+ Bảng </a:t>
-            </a:r>
-            <a:r>
-              <a:rPr lang="en-US" sz="1800" smtClean="0">
-                <a:solidFill>
-                  <a:schemeClr val="tx1"/>
-                </a:solidFill>
-                <a:latin typeface="Arial" panose="020B0604020202020204" pitchFamily="34" charset="0"/>
-                <a:cs typeface="Arial" panose="020B0604020202020204" pitchFamily="34" charset="0"/>
-              </a:rPr>
-              <a:t>laptop </a:t>
-            </a:r>
-            <a:r>
-              <a:rPr lang="en-US" sz="1800" smtClean="0">
-                <a:solidFill>
-                  <a:schemeClr val="tx1"/>
-                </a:solidFill>
-                <a:latin typeface="Arial" panose="020B0604020202020204" pitchFamily="34" charset="0"/>
-                <a:cs typeface="Arial" panose="020B0604020202020204" pitchFamily="34" charset="0"/>
-              </a:rPr>
-              <a:t/>
+              <a:t> + Bảng laptop </a:t>
             </a:r>
             <a:br>
               <a:rPr lang="en-US" sz="1800" smtClean="0">
